--- a/Area de proceso Gestion Configuracion/PGC_V1.0_2015 Proceso de Gestion de Configuracion.pptx
+++ b/Area de proceso Gestion Configuracion/PGC_V1.0_2015 Proceso de Gestion de Configuracion.pptx
@@ -135,7 +135,18 @@
   </p:defaultTextStyle>
   <p:extLst>
     <p:ext uri="{EFAFB233-063F-42B5-8137-9DF3F51BA10A}">
-      <p15:sldGuideLst xmlns:p15="http://schemas.microsoft.com/office/powerpoint/2012/main"/>
+      <p15:sldGuideLst xmlns:p15="http://schemas.microsoft.com/office/powerpoint/2012/main">
+        <p15:guide id="1" orient="horz" pos="2160">
+          <p15:clr>
+            <a:srgbClr val="A4A3A4"/>
+          </p15:clr>
+        </p15:guide>
+        <p15:guide id="2" pos="3840">
+          <p15:clr>
+            <a:srgbClr val="A4A3A4"/>
+          </p15:clr>
+        </p15:guide>
+      </p15:sldGuideLst>
     </p:ext>
   </p:extLst>
 </p:presentation>
@@ -223,7 +234,7 @@
           <a:p>
             <a:fld id="{9059E258-25BE-4AD6-84DC-EBD7F4335E9A}" type="datetimeFigureOut">
               <a:rPr lang="es-PE" smtClean="0"/>
-              <a:t>21/10/2015</a:t>
+              <a:t>22/10/2015</a:t>
             </a:fld>
             <a:endParaRPr lang="es-PE"/>
           </a:p>
@@ -3588,7 +3599,7 @@
             <a:fld id="{B61BEF0D-F0BB-DE4B-95CE-6DB70DBA9567}" type="datetimeFigureOut">
               <a:rPr lang="en-US" dirty="0"/>
               <a:pPr/>
-              <a:t>10/21/2015</a:t>
+              <a:t>10/22/2015</a:t>
             </a:fld>
             <a:endParaRPr lang="en-US" dirty="0"/>
           </a:p>
@@ -3881,7 +3892,7 @@
             <a:fld id="{B61BEF0D-F0BB-DE4B-95CE-6DB70DBA9567}" type="datetimeFigureOut">
               <a:rPr lang="en-US" dirty="0"/>
               <a:pPr/>
-              <a:t>10/21/2015</a:t>
+              <a:t>10/22/2015</a:t>
             </a:fld>
             <a:endParaRPr lang="en-US" dirty="0"/>
           </a:p>
@@ -4126,7 +4137,7 @@
             <a:fld id="{B61BEF0D-F0BB-DE4B-95CE-6DB70DBA9567}" type="datetimeFigureOut">
               <a:rPr lang="en-US" dirty="0"/>
               <a:pPr/>
-              <a:t>10/21/2015</a:t>
+              <a:t>10/22/2015</a:t>
             </a:fld>
             <a:endParaRPr lang="en-US" dirty="0"/>
           </a:p>
@@ -4663,7 +4674,7 @@
             <a:fld id="{B61BEF0D-F0BB-DE4B-95CE-6DB70DBA9567}" type="datetimeFigureOut">
               <a:rPr lang="en-US" dirty="0"/>
               <a:pPr/>
-              <a:t>10/21/2015</a:t>
+              <a:t>10/22/2015</a:t>
             </a:fld>
             <a:endParaRPr lang="en-US" dirty="0"/>
           </a:p>
@@ -4908,7 +4919,7 @@
             <a:fld id="{B61BEF0D-F0BB-DE4B-95CE-6DB70DBA9567}" type="datetimeFigureOut">
               <a:rPr lang="en-US" dirty="0"/>
               <a:pPr/>
-              <a:t>10/21/2015</a:t>
+              <a:t>10/22/2015</a:t>
             </a:fld>
             <a:endParaRPr lang="en-US" dirty="0"/>
           </a:p>
@@ -5437,7 +5448,7 @@
             <a:fld id="{B61BEF0D-F0BB-DE4B-95CE-6DB70DBA9567}" type="datetimeFigureOut">
               <a:rPr lang="en-US" dirty="0"/>
               <a:pPr/>
-              <a:t>10/21/2015</a:t>
+              <a:t>10/22/2015</a:t>
             </a:fld>
             <a:endParaRPr lang="en-US" dirty="0"/>
           </a:p>
@@ -5731,7 +5742,7 @@
             <a:fld id="{B61BEF0D-F0BB-DE4B-95CE-6DB70DBA9567}" type="datetimeFigureOut">
               <a:rPr lang="en-US" dirty="0"/>
               <a:pPr/>
-              <a:t>10/21/2015</a:t>
+              <a:t>10/22/2015</a:t>
             </a:fld>
             <a:endParaRPr lang="en-US" dirty="0"/>
           </a:p>
@@ -5902,7 +5913,7 @@
             <a:fld id="{B61BEF0D-F0BB-DE4B-95CE-6DB70DBA9567}" type="datetimeFigureOut">
               <a:rPr lang="en-US" dirty="0"/>
               <a:pPr/>
-              <a:t>10/21/2015</a:t>
+              <a:t>10/22/2015</a:t>
             </a:fld>
             <a:endParaRPr lang="en-US" dirty="0"/>
           </a:p>
@@ -6079,7 +6090,7 @@
             <a:fld id="{B61BEF0D-F0BB-DE4B-95CE-6DB70DBA9567}" type="datetimeFigureOut">
               <a:rPr lang="en-US" dirty="0"/>
               <a:pPr/>
-              <a:t>10/21/2015</a:t>
+              <a:t>10/22/2015</a:t>
             </a:fld>
             <a:endParaRPr lang="en-US" dirty="0"/>
           </a:p>
@@ -6425,7 +6436,7 @@
             <a:fld id="{B61BEF0D-F0BB-DE4B-95CE-6DB70DBA9567}" type="datetimeFigureOut">
               <a:rPr lang="en-US" dirty="0"/>
               <a:pPr/>
-              <a:t>10/21/2015</a:t>
+              <a:t>10/22/2015</a:t>
             </a:fld>
             <a:endParaRPr lang="en-US" dirty="0"/>
           </a:p>
@@ -6673,7 +6684,7 @@
             <a:fld id="{B61BEF0D-F0BB-DE4B-95CE-6DB70DBA9567}" type="datetimeFigureOut">
               <a:rPr lang="en-US" dirty="0"/>
               <a:pPr/>
-              <a:t>10/21/2015</a:t>
+              <a:t>10/22/2015</a:t>
             </a:fld>
             <a:endParaRPr lang="en-US" dirty="0"/>
           </a:p>
@@ -6967,7 +6978,7 @@
             <a:fld id="{B61BEF0D-F0BB-DE4B-95CE-6DB70DBA9567}" type="datetimeFigureOut">
               <a:rPr lang="en-US" dirty="0"/>
               <a:pPr/>
-              <a:t>10/21/2015</a:t>
+              <a:t>10/22/2015</a:t>
             </a:fld>
             <a:endParaRPr lang="en-US" dirty="0"/>
           </a:p>
@@ -7406,7 +7417,7 @@
             <a:fld id="{B61BEF0D-F0BB-DE4B-95CE-6DB70DBA9567}" type="datetimeFigureOut">
               <a:rPr lang="en-US" dirty="0"/>
               <a:pPr/>
-              <a:t>10/21/2015</a:t>
+              <a:t>10/22/2015</a:t>
             </a:fld>
             <a:endParaRPr lang="en-US" dirty="0"/>
           </a:p>
@@ -7521,7 +7532,7 @@
             <a:fld id="{B61BEF0D-F0BB-DE4B-95CE-6DB70DBA9567}" type="datetimeFigureOut">
               <a:rPr lang="en-US" dirty="0"/>
               <a:pPr/>
-              <a:t>10/21/2015</a:t>
+              <a:t>10/22/2015</a:t>
             </a:fld>
             <a:endParaRPr lang="en-US" dirty="0"/>
           </a:p>
@@ -7613,7 +7624,7 @@
             <a:fld id="{B61BEF0D-F0BB-DE4B-95CE-6DB70DBA9567}" type="datetimeFigureOut">
               <a:rPr lang="en-US" dirty="0"/>
               <a:pPr/>
-              <a:t>10/21/2015</a:t>
+              <a:t>10/22/2015</a:t>
             </a:fld>
             <a:endParaRPr lang="en-US" dirty="0"/>
           </a:p>
@@ -7893,7 +7904,7 @@
             <a:fld id="{B61BEF0D-F0BB-DE4B-95CE-6DB70DBA9567}" type="datetimeFigureOut">
               <a:rPr lang="en-US" dirty="0"/>
               <a:pPr/>
-              <a:t>10/21/2015</a:t>
+              <a:t>10/22/2015</a:t>
             </a:fld>
             <a:endParaRPr lang="en-US" dirty="0"/>
           </a:p>
@@ -8181,7 +8192,7 @@
             <a:fld id="{B61BEF0D-F0BB-DE4B-95CE-6DB70DBA9567}" type="datetimeFigureOut">
               <a:rPr lang="en-US" dirty="0"/>
               <a:pPr/>
-              <a:t>10/21/2015</a:t>
+              <a:t>10/22/2015</a:t>
             </a:fld>
             <a:endParaRPr lang="en-US" dirty="0"/>
           </a:p>
@@ -8708,7 +8719,7 @@
             <a:fld id="{B61BEF0D-F0BB-DE4B-95CE-6DB70DBA9567}" type="datetimeFigureOut">
               <a:rPr lang="en-US" dirty="0"/>
               <a:pPr/>
-              <a:t>10/21/2015</a:t>
+              <a:t>10/22/2015</a:t>
             </a:fld>
             <a:endParaRPr lang="en-US" dirty="0"/>
           </a:p>
@@ -10448,8 +10459,8 @@
         </p:nvGrpSpPr>
         <p:grpSpPr bwMode="auto">
           <a:xfrm>
-            <a:off x="6792916" y="3644901"/>
-            <a:ext cx="1784414" cy="1439863"/>
+            <a:off x="6792916" y="3471293"/>
+            <a:ext cx="2060572" cy="1613472"/>
             <a:chOff x="2925" y="1389"/>
             <a:chExt cx="607" cy="726"/>
           </a:xfrm>
@@ -10499,14 +10510,14 @@
                 </a:lnSpc>
               </a:pPr>
               <a:r>
-                <a:rPr lang="es-PE" sz="1000" dirty="0">
+                <a:rPr lang="es-PE" sz="1200" dirty="0">
                   <a:solidFill>
                     <a:srgbClr val="000066"/>
                   </a:solidFill>
                 </a:rPr>
                 <a:t>Auditar ítems de Configuración</a:t>
               </a:r>
-              <a:endParaRPr lang="es-ES" sz="1000" dirty="0">
+              <a:endParaRPr lang="es-ES" sz="1200" dirty="0">
                 <a:solidFill>
                   <a:srgbClr val="000066"/>
                 </a:solidFill>
@@ -10559,12 +10570,20 @@
                 </a:lnSpc>
               </a:pPr>
               <a:r>
-                <a:rPr lang="es-PE" sz="800" b="1" dirty="0">
+                <a:rPr lang="es-PE" sz="1200" b="1" dirty="0" smtClean="0">
                   <a:solidFill>
                     <a:srgbClr val="000066"/>
                   </a:solidFill>
                 </a:rPr>
-                <a:t>(4) Gestor de Configuración</a:t>
+                <a:t>(2) </a:t>
+              </a:r>
+              <a:r>
+                <a:rPr lang="es-PE" sz="1200" b="1" dirty="0">
+                  <a:solidFill>
+                    <a:srgbClr val="000066"/>
+                  </a:solidFill>
+                </a:rPr>
+                <a:t>Gestor de Configuración</a:t>
               </a:r>
             </a:p>
             <a:p>
@@ -10574,14 +10593,14 @@
                 </a:lnSpc>
               </a:pPr>
               <a:r>
-                <a:rPr lang="es-PE" sz="800" b="1" dirty="0">
+                <a:rPr lang="es-PE" sz="1200" b="1" dirty="0">
                   <a:solidFill>
                     <a:srgbClr val="000066"/>
                   </a:solidFill>
                 </a:rPr>
                 <a:t>Gestor de Calidad</a:t>
               </a:r>
-              <a:endParaRPr lang="es-ES" sz="800" b="1" dirty="0">
+              <a:endParaRPr lang="es-ES" sz="1200" b="1" dirty="0">
                 <a:solidFill>
                   <a:srgbClr val="000066"/>
                 </a:solidFill>
@@ -10634,7 +10653,7 @@
                 </a:lnSpc>
               </a:pPr>
               <a:r>
-                <a:rPr lang="es-PE" sz="800" b="1" dirty="0">
+                <a:rPr lang="es-PE" sz="1200" b="1" dirty="0">
                   <a:solidFill>
                     <a:srgbClr val="000066"/>
                   </a:solidFill>
@@ -10656,8 +10675,8 @@
         </p:nvCxnSpPr>
         <p:spPr bwMode="auto">
           <a:xfrm flipV="1">
-            <a:off x="4840217" y="2703513"/>
-            <a:ext cx="1330326" cy="580593"/>
+            <a:off x="4840217" y="2703514"/>
+            <a:ext cx="1330326" cy="453018"/>
           </a:xfrm>
           <a:prstGeom prst="bentConnector3">
             <a:avLst>
@@ -10686,8 +10705,8 @@
         </p:nvGrpSpPr>
         <p:grpSpPr bwMode="auto">
           <a:xfrm>
-            <a:off x="3374261" y="2489324"/>
-            <a:ext cx="1465956" cy="1587376"/>
+            <a:off x="3061420" y="2233825"/>
+            <a:ext cx="1778797" cy="1842875"/>
             <a:chOff x="2925" y="1389"/>
             <a:chExt cx="607" cy="726"/>
           </a:xfrm>
@@ -10737,7 +10756,7 @@
                 </a:lnSpc>
               </a:pPr>
               <a:r>
-                <a:rPr lang="es-PE" sz="1000" dirty="0">
+                <a:rPr lang="es-PE" sz="1200" dirty="0">
                   <a:solidFill>
                     <a:srgbClr val="000066"/>
                   </a:solidFill>
@@ -10745,7 +10764,7 @@
                 </a:rPr>
                 <a:t>Administrar Sistema de Gestión de Configuración</a:t>
               </a:r>
-              <a:endParaRPr lang="es-ES" sz="1000" dirty="0">
+              <a:endParaRPr lang="es-ES" sz="1200" dirty="0">
                 <a:solidFill>
                   <a:srgbClr val="000066"/>
                 </a:solidFill>
@@ -10793,14 +10812,22 @@
             <a:lstStyle/>
             <a:p>
               <a:r>
-                <a:rPr lang="es-PE" sz="800" b="1">
+                <a:rPr lang="es-PE" sz="1200" b="1" dirty="0" smtClean="0">
                   <a:solidFill>
                     <a:srgbClr val="000066"/>
                   </a:solidFill>
                 </a:rPr>
-                <a:t>(3) Gestor de Configuración</a:t>
+                <a:t>(1) </a:t>
               </a:r>
-              <a:endParaRPr lang="es-ES" sz="800" b="1">
+              <a:r>
+                <a:rPr lang="es-PE" sz="1200" b="1" dirty="0">
+                  <a:solidFill>
+                    <a:srgbClr val="000066"/>
+                  </a:solidFill>
+                </a:rPr>
+                <a:t>Gestor de Configuración</a:t>
+              </a:r>
+              <a:endParaRPr lang="es-ES" sz="1200" b="1" dirty="0">
                 <a:solidFill>
                   <a:srgbClr val="000066"/>
                 </a:solidFill>
@@ -10848,7 +10875,7 @@
             <a:lstStyle/>
             <a:p>
               <a:r>
-                <a:rPr lang="es-PE" sz="800" b="1" dirty="0">
+                <a:rPr lang="es-PE" sz="1200" b="1" dirty="0">
                   <a:solidFill>
                     <a:srgbClr val="000066"/>
                   </a:solidFill>
@@ -10900,8 +10927,8 @@
         </p:nvCxnSpPr>
         <p:spPr bwMode="auto">
           <a:xfrm rot="5400000">
-            <a:off x="7507307" y="5259372"/>
-            <a:ext cx="352424" cy="3209"/>
+            <a:off x="7576347" y="5190334"/>
+            <a:ext cx="352424" cy="141287"/>
           </a:xfrm>
           <a:prstGeom prst="bentConnector3">
             <a:avLst>
@@ -10962,8 +10989,8 @@
         </p:nvCxnSpPr>
         <p:spPr bwMode="auto">
           <a:xfrm rot="16200000" flipH="1">
-            <a:off x="7017417" y="2977194"/>
-            <a:ext cx="443203" cy="892210"/>
+            <a:off x="7221253" y="2869344"/>
+            <a:ext cx="173608" cy="1030289"/>
           </a:xfrm>
           <a:prstGeom prst="bentConnector3">
             <a:avLst>
@@ -11072,7 +11099,7 @@
           <p:spPr bwMode="auto">
             <a:xfrm>
               <a:off x="10783245" y="3864084"/>
-              <a:ext cx="1104900" cy="193323"/>
+              <a:ext cx="1104900" cy="387798"/>
             </a:xfrm>
             <a:prstGeom prst="rect">
               <a:avLst/>
@@ -11101,7 +11128,7 @@
                 </a:spcBef>
               </a:pPr>
               <a:r>
-                <a:rPr lang="es-PE" sz="800" b="1" dirty="0" smtClean="0">
+                <a:rPr lang="es-PE" sz="1200" b="1" dirty="0" smtClean="0">
                   <a:latin typeface="Candara" panose="020E0502030303020204" pitchFamily="34" charset="0"/>
                 </a:rPr>
                 <a:t>Jefe de Proyecto</a:t>
@@ -11176,7 +11203,7 @@
           <p:spPr bwMode="auto">
             <a:xfrm>
               <a:off x="10783245" y="3864084"/>
-              <a:ext cx="1104900" cy="193323"/>
+              <a:ext cx="1104900" cy="387798"/>
             </a:xfrm>
             <a:prstGeom prst="rect">
               <a:avLst/>
@@ -11205,7 +11232,7 @@
                 </a:spcBef>
               </a:pPr>
               <a:r>
-                <a:rPr lang="es-PE" sz="800" b="1" dirty="0" smtClean="0">
+                <a:rPr lang="es-PE" sz="1200" b="1" dirty="0" smtClean="0">
                   <a:latin typeface="Candara" panose="020E0502030303020204" pitchFamily="34" charset="0"/>
                 </a:rPr>
                 <a:t>Jefe de Proyecto</a:t>
@@ -11222,7 +11249,7 @@
         </p:nvGrpSpPr>
         <p:grpSpPr>
           <a:xfrm>
-            <a:off x="2045569" y="1716600"/>
+            <a:off x="1839298" y="1716600"/>
             <a:ext cx="1534963" cy="1034450"/>
             <a:chOff x="10353182" y="3443521"/>
             <a:chExt cx="1534963" cy="1034450"/>
@@ -11280,7 +11307,7 @@
           <p:spPr bwMode="auto">
             <a:xfrm>
               <a:off x="10783245" y="3864084"/>
-              <a:ext cx="1104900" cy="193323"/>
+              <a:ext cx="1104900" cy="387798"/>
             </a:xfrm>
             <a:prstGeom prst="rect">
               <a:avLst/>
@@ -11309,7 +11336,7 @@
                 </a:spcBef>
               </a:pPr>
               <a:r>
-                <a:rPr lang="es-PE" sz="800" b="1" dirty="0" smtClean="0">
+                <a:rPr lang="es-PE" sz="1200" b="1" dirty="0" smtClean="0">
                   <a:latin typeface="Candara" panose="020E0502030303020204" pitchFamily="34" charset="0"/>
                 </a:rPr>
                 <a:t>Jefe de Proyecto</a:t>
@@ -11327,9 +11354,9 @@
         <p:grpSpPr>
           <a:xfrm>
             <a:off x="1597317" y="3301555"/>
-            <a:ext cx="1252944" cy="838030"/>
+            <a:ext cx="1252944" cy="1032505"/>
             <a:chOff x="813680" y="4590744"/>
-            <a:chExt cx="1252944" cy="838030"/>
+            <a:chExt cx="1252944" cy="1032505"/>
           </a:xfrm>
         </p:grpSpPr>
         <p:sp>
@@ -11343,7 +11370,7 @@
           <p:spPr bwMode="auto">
             <a:xfrm>
               <a:off x="961724" y="5235451"/>
-              <a:ext cx="1104900" cy="193323"/>
+              <a:ext cx="1104900" cy="387798"/>
             </a:xfrm>
             <a:prstGeom prst="rect">
               <a:avLst/>
@@ -11372,12 +11399,12 @@
                 </a:spcBef>
               </a:pPr>
               <a:r>
-                <a:rPr lang="es-PE" sz="800" b="1">
+                <a:rPr lang="es-PE" sz="1200" b="1">
                   <a:latin typeface="Candara" panose="020E0502030303020204" pitchFamily="34" charset="0"/>
                 </a:rPr>
                 <a:t>Plan del Proyecto</a:t>
               </a:r>
-              <a:endParaRPr lang="es-ES" sz="800" b="1">
+              <a:endParaRPr lang="es-ES" sz="1200" b="1">
                 <a:latin typeface="Candara" panose="020E0502030303020204" pitchFamily="34" charset="0"/>
               </a:endParaRPr>
             </a:p>
@@ -11417,9 +11444,9 @@
         <p:grpSpPr>
           <a:xfrm>
             <a:off x="7245195" y="5514282"/>
-            <a:ext cx="1104900" cy="696626"/>
+            <a:ext cx="1104900" cy="940346"/>
             <a:chOff x="7142163" y="5449887"/>
-            <a:chExt cx="1104900" cy="696626"/>
+            <a:chExt cx="1104900" cy="940346"/>
           </a:xfrm>
         </p:grpSpPr>
         <p:sp>
@@ -11433,7 +11460,7 @@
           <p:spPr bwMode="auto">
             <a:xfrm>
               <a:off x="7142163" y="5854702"/>
-              <a:ext cx="1104900" cy="291811"/>
+              <a:ext cx="1104900" cy="535531"/>
             </a:xfrm>
             <a:prstGeom prst="rect">
               <a:avLst/>
@@ -11462,10 +11489,10 @@
                 </a:spcBef>
               </a:pPr>
               <a:r>
-                <a:rPr lang="es-PE" sz="800" b="1" dirty="0"/>
+                <a:rPr lang="es-PE" sz="1200" b="1" dirty="0"/>
                 <a:t>Informe mensual de auditoría</a:t>
               </a:r>
-              <a:endParaRPr lang="es-ES" sz="800" b="1" dirty="0"/>
+              <a:endParaRPr lang="es-ES" sz="1200" b="1" dirty="0"/>
             </a:p>
           </p:txBody>
         </p:sp>
@@ -11505,7 +11532,7 @@
             <a:lstStyle/>
             <a:p>
               <a:pPr algn="ctr"/>
-              <a:endParaRPr lang="es-PE"/>
+              <a:endParaRPr lang="es-PE" sz="1200"/>
             </a:p>
           </p:txBody>
         </p:sp>
@@ -11519,9 +11546,9 @@
         <p:grpSpPr>
           <a:xfrm>
             <a:off x="6240463" y="2446047"/>
-            <a:ext cx="1104900" cy="755651"/>
+            <a:ext cx="1104900" cy="851638"/>
             <a:chOff x="6240463" y="2446047"/>
-            <a:chExt cx="1104900" cy="755651"/>
+            <a:chExt cx="1104900" cy="851638"/>
           </a:xfrm>
         </p:grpSpPr>
         <p:sp>
@@ -11535,7 +11562,7 @@
           <p:spPr bwMode="auto">
             <a:xfrm>
               <a:off x="6240463" y="2909887"/>
-              <a:ext cx="1104900" cy="291811"/>
+              <a:ext cx="1104900" cy="387798"/>
             </a:xfrm>
             <a:prstGeom prst="rect">
               <a:avLst/>
@@ -11564,7 +11591,7 @@
                 </a:spcBef>
               </a:pPr>
               <a:r>
-                <a:rPr lang="es-PE" sz="800" b="1" dirty="0">
+                <a:rPr lang="es-PE" sz="1200" b="1" dirty="0">
                   <a:solidFill>
                     <a:srgbClr val="000066"/>
                   </a:solidFill>
@@ -11572,10 +11599,10 @@
                 <a:t>Requerimiento </a:t>
               </a:r>
               <a:r>
-                <a:rPr lang="es-PE" sz="800" b="1" dirty="0"/>
+                <a:rPr lang="es-PE" sz="1200" b="1" dirty="0"/>
                 <a:t>Atendido</a:t>
               </a:r>
-              <a:endParaRPr lang="es-ES" sz="800" b="1" dirty="0"/>
+              <a:endParaRPr lang="es-ES" sz="1200" b="1" dirty="0"/>
             </a:p>
           </p:txBody>
         </p:sp>
@@ -11615,7 +11642,7 @@
             <a:lstStyle/>
             <a:p>
               <a:pPr algn="ctr"/>
-              <a:endParaRPr lang="es-PE"/>
+              <a:endParaRPr lang="es-PE" sz="1200"/>
             </a:p>
           </p:txBody>
         </p:sp>
@@ -13547,8 +13574,8 @@
         </p:nvGrpSpPr>
         <p:grpSpPr bwMode="auto">
           <a:xfrm>
-            <a:off x="3500040" y="1773237"/>
-            <a:ext cx="1631056" cy="1657350"/>
+            <a:off x="3500040" y="1773236"/>
+            <a:ext cx="1836458" cy="1819371"/>
             <a:chOff x="1474" y="1389"/>
             <a:chExt cx="607" cy="726"/>
           </a:xfrm>
@@ -13598,7 +13625,7 @@
                 </a:lnSpc>
               </a:pPr>
               <a:r>
-                <a:rPr lang="es-PE" sz="1000">
+                <a:rPr lang="es-PE" sz="1200" dirty="0">
                   <a:solidFill>
                     <a:srgbClr val="000066"/>
                   </a:solidFill>
@@ -13607,7 +13634,7 @@
                 </a:rPr>
                 <a:t>Gestionar Configuración del Proyecto</a:t>
               </a:r>
-              <a:endParaRPr lang="es-ES" sz="1000">
+              <a:endParaRPr lang="es-ES" sz="1200" dirty="0">
                 <a:solidFill>
                   <a:srgbClr val="000066"/>
                 </a:solidFill>
@@ -13661,7 +13688,7 @@
                 </a:lnSpc>
               </a:pPr>
               <a:r>
-                <a:rPr lang="es-PE" sz="800" b="1">
+                <a:rPr lang="es-PE" sz="1200" b="1">
                   <a:solidFill>
                     <a:srgbClr val="000066"/>
                   </a:solidFill>
@@ -13669,7 +13696,7 @@
                 </a:rPr>
                 <a:t>(1) Gestor de Configuración</a:t>
               </a:r>
-              <a:endParaRPr lang="es-ES" sz="800" b="1">
+              <a:endParaRPr lang="es-ES" sz="1200" b="1">
                 <a:solidFill>
                   <a:srgbClr val="000066"/>
                 </a:solidFill>
@@ -13723,7 +13750,7 @@
                 </a:lnSpc>
               </a:pPr>
               <a:r>
-                <a:rPr lang="es-PE" sz="800" b="1">
+                <a:rPr lang="es-PE" sz="1200" b="1">
                   <a:solidFill>
                     <a:srgbClr val="000066"/>
                   </a:solidFill>
@@ -13776,8 +13803,8 @@
         </p:nvCxnSpPr>
         <p:spPr bwMode="auto">
           <a:xfrm flipH="1">
-            <a:off x="1381571" y="3198703"/>
-            <a:ext cx="793" cy="468601"/>
+            <a:off x="1381572" y="3442423"/>
+            <a:ext cx="792" cy="224881"/>
           </a:xfrm>
           <a:prstGeom prst="straightConnector1">
             <a:avLst/>
@@ -13883,7 +13910,7 @@
                 </a:lnSpc>
               </a:pPr>
               <a:r>
-                <a:rPr lang="es-PE" sz="1000" dirty="0">
+                <a:rPr lang="es-PE" sz="1200" dirty="0">
                   <a:solidFill>
                     <a:srgbClr val="000066"/>
                   </a:solidFill>
@@ -13891,7 +13918,7 @@
                 </a:rPr>
                 <a:t>Gestionar solicitudes de accesos</a:t>
               </a:r>
-              <a:endParaRPr lang="es-ES" sz="1000" dirty="0">
+              <a:endParaRPr lang="es-ES" sz="1200" dirty="0">
                 <a:solidFill>
                   <a:srgbClr val="000066"/>
                 </a:solidFill>
@@ -13940,15 +13967,24 @@
             <a:lstStyle/>
             <a:p>
               <a:r>
-                <a:rPr lang="es-PE" sz="800" b="1">
+                <a:rPr lang="es-PE" sz="1200" b="1" dirty="0" smtClean="0">
                   <a:solidFill>
                     <a:srgbClr val="000066"/>
                   </a:solidFill>
                   <a:latin typeface="Candara" panose="020E0502030303020204" pitchFamily="34" charset="0"/>
                 </a:rPr>
-                <a:t>(3) Gestor de Configuración</a:t>
+                <a:t>(2) </a:t>
               </a:r>
-              <a:endParaRPr lang="es-ES" sz="800" b="1">
+              <a:r>
+                <a:rPr lang="es-PE" sz="1200" b="1" dirty="0">
+                  <a:solidFill>
+                    <a:srgbClr val="000066"/>
+                  </a:solidFill>
+                  <a:latin typeface="Candara" panose="020E0502030303020204" pitchFamily="34" charset="0"/>
+                </a:rPr>
+                <a:t>Gestor de Configuración</a:t>
+              </a:r>
+              <a:endParaRPr lang="es-ES" sz="1200" b="1" dirty="0">
                 <a:solidFill>
                   <a:srgbClr val="000066"/>
                 </a:solidFill>
@@ -14002,7 +14038,7 @@
                 </a:lnSpc>
               </a:pPr>
               <a:r>
-                <a:rPr lang="es-PE" sz="800" b="1">
+                <a:rPr lang="es-PE" sz="1200" b="1">
                   <a:solidFill>
                     <a:srgbClr val="000066"/>
                   </a:solidFill>
@@ -14024,9 +14060,9 @@
           <p:nvPr/>
         </p:nvCxnSpPr>
         <p:spPr bwMode="auto">
-          <a:xfrm>
-            <a:off x="5131096" y="2603054"/>
-            <a:ext cx="3904558" cy="446"/>
+          <a:xfrm flipV="1">
+            <a:off x="5336498" y="2603500"/>
+            <a:ext cx="3699156" cy="80675"/>
           </a:xfrm>
           <a:prstGeom prst="straightConnector1">
             <a:avLst/>
@@ -14160,9 +14196,9 @@
         <p:grpSpPr>
           <a:xfrm>
             <a:off x="9048750" y="2216154"/>
-            <a:ext cx="1104900" cy="914359"/>
+            <a:ext cx="1104900" cy="1158079"/>
             <a:chOff x="9048750" y="2185739"/>
-            <a:chExt cx="1104900" cy="914359"/>
+            <a:chExt cx="1104900" cy="1158079"/>
           </a:xfrm>
         </p:grpSpPr>
         <p:sp>
@@ -14176,7 +14212,7 @@
           <p:spPr bwMode="auto">
             <a:xfrm>
               <a:off x="9048750" y="2808287"/>
-              <a:ext cx="1104900" cy="291811"/>
+              <a:ext cx="1104900" cy="535531"/>
             </a:xfrm>
             <a:prstGeom prst="rect">
               <a:avLst/>
@@ -14205,12 +14241,12 @@
                 </a:spcBef>
               </a:pPr>
               <a:r>
-                <a:rPr lang="es-PE" sz="800" b="1" dirty="0">
+                <a:rPr lang="es-PE" sz="1200" b="1" dirty="0">
                   <a:latin typeface="Candara" panose="020E0502030303020204" pitchFamily="34" charset="0"/>
                 </a:rPr>
                 <a:t>Plan del Proyecto Ejecutado</a:t>
               </a:r>
-              <a:endParaRPr lang="es-ES" sz="800" b="1" dirty="0">
+              <a:endParaRPr lang="es-ES" sz="1200" b="1" dirty="0">
                 <a:latin typeface="Candara" panose="020E0502030303020204" pitchFamily="34" charset="0"/>
               </a:endParaRPr>
             </a:p>
@@ -14307,7 +14343,7 @@
           <p:spPr bwMode="auto">
             <a:xfrm>
               <a:off x="10783245" y="3864084"/>
-              <a:ext cx="1104900" cy="193323"/>
+              <a:ext cx="1104900" cy="387798"/>
             </a:xfrm>
             <a:prstGeom prst="rect">
               <a:avLst/>
@@ -14336,7 +14372,7 @@
                 </a:spcBef>
               </a:pPr>
               <a:r>
-                <a:rPr lang="es-PE" sz="800" b="1" dirty="0" smtClean="0">
+                <a:rPr lang="es-PE" sz="1200" b="1" dirty="0" smtClean="0">
                   <a:latin typeface="Candara" panose="020E0502030303020204" pitchFamily="34" charset="0"/>
                 </a:rPr>
                 <a:t>Jefe de Proyecto</a:t>
@@ -14354,9 +14390,9 @@
         <p:grpSpPr>
           <a:xfrm>
             <a:off x="914845" y="2215686"/>
-            <a:ext cx="935037" cy="983017"/>
+            <a:ext cx="935037" cy="1226737"/>
             <a:chOff x="914845" y="2215686"/>
-            <a:chExt cx="935037" cy="983017"/>
+            <a:chExt cx="935037" cy="1226737"/>
           </a:xfrm>
         </p:grpSpPr>
         <p:sp>
@@ -14370,7 +14406,7 @@
           <p:spPr bwMode="auto">
             <a:xfrm>
               <a:off x="914845" y="2906892"/>
-              <a:ext cx="935037" cy="291811"/>
+              <a:ext cx="935037" cy="535531"/>
             </a:xfrm>
             <a:prstGeom prst="rect">
               <a:avLst/>
@@ -14399,12 +14435,12 @@
                 </a:spcBef>
               </a:pPr>
               <a:r>
-                <a:rPr lang="es-PE" sz="800" b="1" dirty="0">
+                <a:rPr lang="es-PE" sz="1200" b="1" dirty="0">
                   <a:latin typeface="Candara" panose="020E0502030303020204" pitchFamily="34" charset="0"/>
                 </a:rPr>
                 <a:t>Elaborar Plan del Proyecto</a:t>
               </a:r>
-              <a:endParaRPr lang="es-ES" sz="800" b="1" dirty="0">
+              <a:endParaRPr lang="es-ES" sz="1200" b="1" dirty="0">
                 <a:latin typeface="Candara" panose="020E0502030303020204" pitchFamily="34" charset="0"/>
               </a:endParaRPr>
             </a:p>
@@ -14444,9 +14480,9 @@
         <p:grpSpPr>
           <a:xfrm>
             <a:off x="861600" y="3744050"/>
-            <a:ext cx="1252944" cy="838030"/>
+            <a:ext cx="1252944" cy="1032505"/>
             <a:chOff x="813680" y="4590744"/>
-            <a:chExt cx="1252944" cy="838030"/>
+            <a:chExt cx="1252944" cy="1032505"/>
           </a:xfrm>
         </p:grpSpPr>
         <p:sp>
@@ -14460,7 +14496,7 @@
           <p:spPr bwMode="auto">
             <a:xfrm>
               <a:off x="961724" y="5235451"/>
-              <a:ext cx="1104900" cy="193323"/>
+              <a:ext cx="1104900" cy="387798"/>
             </a:xfrm>
             <a:prstGeom prst="rect">
               <a:avLst/>
@@ -14489,12 +14525,12 @@
                 </a:spcBef>
               </a:pPr>
               <a:r>
-                <a:rPr lang="es-PE" sz="800" b="1">
+                <a:rPr lang="es-PE" sz="1200" b="1">
                   <a:latin typeface="Candara" panose="020E0502030303020204" pitchFamily="34" charset="0"/>
                 </a:rPr>
                 <a:t>Plan del Proyecto</a:t>
               </a:r>
-              <a:endParaRPr lang="es-ES" sz="800" b="1">
+              <a:endParaRPr lang="es-ES" sz="1200" b="1">
                 <a:latin typeface="Candara" panose="020E0502030303020204" pitchFamily="34" charset="0"/>
               </a:endParaRPr>
             </a:p>
@@ -14534,9 +14570,9 @@
         <p:grpSpPr>
           <a:xfrm>
             <a:off x="9303978" y="5124450"/>
-            <a:ext cx="1104900" cy="726462"/>
+            <a:ext cx="1104900" cy="920937"/>
             <a:chOff x="9303978" y="5124450"/>
-            <a:chExt cx="1104900" cy="726462"/>
+            <a:chExt cx="1104900" cy="920937"/>
           </a:xfrm>
         </p:grpSpPr>
         <p:sp>
@@ -14550,7 +14586,7 @@
           <p:spPr bwMode="auto">
             <a:xfrm>
               <a:off x="9303978" y="5657589"/>
-              <a:ext cx="1104900" cy="193323"/>
+              <a:ext cx="1104900" cy="387798"/>
             </a:xfrm>
             <a:prstGeom prst="rect">
               <a:avLst/>
@@ -14579,12 +14615,12 @@
                 </a:spcBef>
               </a:pPr>
               <a:r>
-                <a:rPr lang="es-PE" sz="800" b="1" dirty="0">
+                <a:rPr lang="es-PE" sz="1200" b="1" dirty="0">
                   <a:latin typeface="Candara" panose="020E0502030303020204" pitchFamily="34" charset="0"/>
                 </a:rPr>
                 <a:t>Accesos gestionados</a:t>
               </a:r>
-              <a:endParaRPr lang="es-ES" sz="800" b="1" dirty="0">
+              <a:endParaRPr lang="es-ES" sz="1200" b="1" dirty="0">
                 <a:latin typeface="Candara" panose="020E0502030303020204" pitchFamily="34" charset="0"/>
               </a:endParaRPr>
             </a:p>
@@ -14626,7 +14662,7 @@
             <a:lstStyle/>
             <a:p>
               <a:pPr algn="ctr"/>
-              <a:endParaRPr lang="es-PE"/>
+              <a:endParaRPr lang="es-PE" sz="1200"/>
             </a:p>
           </p:txBody>
         </p:sp>
@@ -15354,7 +15390,7 @@
             <p:ph sz="half" idx="1"/>
             <p:extLst>
               <p:ext uri="{D42A27DB-BD31-4B8C-83A1-F6EECF244321}">
-                <p14:modId xmlns:p14="http://schemas.microsoft.com/office/powerpoint/2010/main" val="3336784350"/>
+                <p14:modId xmlns:p14="http://schemas.microsoft.com/office/powerpoint/2010/main" val="4144581224"/>
               </p:ext>
             </p:extLst>
           </p:nvPr>
@@ -16182,7 +16218,7 @@
                           </a:ln>
                           <a:effectLst/>
                         </a:rPr>
-                        <a:t>SOLACC_V1.0_2015 Formato de Solicitud de Accesos-VY</a:t>
+                        <a:t>SOLACC_V1.0_2015 Formato de Solicitud de Accesos</a:t>
                       </a:r>
                       <a:endParaRPr kumimoji="0" lang="es-PE" sz="1200" b="0" i="0" u="none" strike="noStrike" cap="none" normalizeH="0" baseline="0" dirty="0" smtClean="0">
                         <a:ln>
@@ -16229,7 +16265,7 @@
                         <a:t>Solicitud</a:t>
                       </a:r>
                       <a:r>
-                        <a:rPr kumimoji="0" lang="es-419" sz="1200" u="none" strike="noStrike" cap="none" normalizeH="0" baseline="0" dirty="0" smtClean="0">
+                        <a:rPr kumimoji="0" lang="x-none" sz="1200" u="none" strike="noStrike" cap="none" normalizeH="0" baseline="0" dirty="0" smtClean="0">
                           <a:ln>
                             <a:noFill/>
                           </a:ln>
@@ -16592,10 +16628,10 @@
         </p:nvGrpSpPr>
         <p:grpSpPr bwMode="auto">
           <a:xfrm>
-            <a:off x="4951413" y="2205038"/>
-            <a:ext cx="1289050" cy="1295400"/>
-            <a:chOff x="1474" y="1389"/>
-            <a:chExt cx="607" cy="726"/>
+            <a:off x="4951413" y="1283664"/>
+            <a:ext cx="1289050" cy="2216774"/>
+            <a:chOff x="1474" y="1311"/>
+            <a:chExt cx="607" cy="804"/>
           </a:xfrm>
         </p:grpSpPr>
         <p:sp>
@@ -16637,18 +16673,18 @@
             <a:bodyPr lIns="0" tIns="0" rIns="0" bIns="0" anchor="ctr"/>
             <a:lstStyle/>
             <a:p>
-              <a:pPr>
+              <a:pPr algn="ctr">
                 <a:lnSpc>
                   <a:spcPct val="110000"/>
                 </a:lnSpc>
               </a:pPr>
               <a:r>
-                <a:rPr lang="es-PE" sz="1000" dirty="0">
+                <a:rPr lang="es-PE" sz="1200" dirty="0">
                   <a:latin typeface="Candara" panose="020E0502030303020204" pitchFamily="34" charset="0"/>
                 </a:rPr>
                 <a:t>Verificar entregables, activos de procesos y proyectos</a:t>
               </a:r>
-              <a:endParaRPr lang="es-ES" sz="1000" dirty="0">
+              <a:endParaRPr lang="es-ES" sz="1200" dirty="0">
                 <a:latin typeface="Candara" panose="020E0502030303020204" pitchFamily="34" charset="0"/>
               </a:endParaRPr>
             </a:p>
@@ -16664,8 +16700,8 @@
           </p:nvSpPr>
           <p:spPr bwMode="auto">
             <a:xfrm>
-              <a:off x="1474" y="1389"/>
-              <a:ext cx="607" cy="159"/>
+              <a:off x="1474" y="1311"/>
+              <a:ext cx="607" cy="237"/>
             </a:xfrm>
             <a:prstGeom prst="rect">
               <a:avLst/>
@@ -16693,43 +16729,43 @@
             <a:bodyPr lIns="0" tIns="0" rIns="0" bIns="0" anchor="ctr"/>
             <a:lstStyle/>
             <a:p>
-              <a:pPr>
+              <a:pPr algn="ctr">
                 <a:lnSpc>
                   <a:spcPct val="110000"/>
                 </a:lnSpc>
               </a:pPr>
               <a:r>
-                <a:rPr lang="es-PE" sz="800" b="1" dirty="0">
+                <a:rPr lang="es-PE" sz="1200" b="1" dirty="0">
                   <a:latin typeface="Candara" panose="020E0502030303020204" pitchFamily="34" charset="0"/>
                 </a:rPr>
                 <a:t>(3) </a:t>
               </a:r>
               <a:r>
-                <a:rPr lang="es-419" sz="800" b="1" dirty="0">
+                <a:rPr lang="x-none" sz="1200" b="1" dirty="0">
                   <a:latin typeface="Candara" panose="020E0502030303020204" pitchFamily="34" charset="0"/>
                 </a:rPr>
                 <a:t>Analista de Calidad</a:t>
               </a:r>
               <a:r>
-                <a:rPr lang="es-PE" sz="800" b="1" dirty="0">
+                <a:rPr lang="es-PE" sz="1200" b="1" dirty="0">
                   <a:latin typeface="Candara" panose="020E0502030303020204" pitchFamily="34" charset="0"/>
                 </a:rPr>
                 <a:t>/ </a:t>
               </a:r>
             </a:p>
             <a:p>
-              <a:pPr>
+              <a:pPr algn="ctr">
                 <a:lnSpc>
                   <a:spcPct val="110000"/>
                 </a:lnSpc>
               </a:pPr>
               <a:r>
-                <a:rPr lang="es-PE" sz="800" b="1" dirty="0">
+                <a:rPr lang="es-PE" sz="1200" b="1" dirty="0">
                   <a:latin typeface="Candara" panose="020E0502030303020204" pitchFamily="34" charset="0"/>
                 </a:rPr>
                 <a:t>Jefe de Proyecto </a:t>
               </a:r>
-              <a:endParaRPr lang="es-ES" sz="800" b="1" dirty="0">
+              <a:endParaRPr lang="es-ES" sz="1200" b="1" dirty="0">
                 <a:latin typeface="Candara" panose="020E0502030303020204" pitchFamily="34" charset="0"/>
               </a:endParaRPr>
             </a:p>
@@ -16774,13 +16810,13 @@
             <a:bodyPr lIns="0" tIns="0" rIns="0" bIns="0" anchor="ctr"/>
             <a:lstStyle/>
             <a:p>
-              <a:pPr>
+              <a:pPr algn="ctr">
                 <a:lnSpc>
                   <a:spcPct val="110000"/>
                 </a:lnSpc>
               </a:pPr>
               <a:r>
-                <a:rPr lang="es-PE" sz="800" b="1" dirty="0">
+                <a:rPr lang="es-PE" sz="1200" b="1" dirty="0">
                   <a:latin typeface="Candara" panose="020E0502030303020204" pitchFamily="34" charset="0"/>
                 </a:rPr>
                 <a:t>Lista de Ítems de Configuración</a:t>
@@ -16794,15 +16830,14 @@
           <p:cNvPr id="159759" name="AutoShape 15"/>
           <p:cNvCxnSpPr>
             <a:cxnSpLocks noChangeShapeType="1"/>
-            <a:stCxn id="159754" idx="2"/>
             <a:endCxn id="159843" idx="0"/>
           </p:cNvCxnSpPr>
           <p:nvPr/>
         </p:nvCxnSpPr>
         <p:spPr bwMode="auto">
-          <a:xfrm>
-            <a:off x="2471738" y="3389313"/>
-            <a:ext cx="23812" cy="328612"/>
+          <a:xfrm flipH="1">
+            <a:off x="2495550" y="3250483"/>
+            <a:ext cx="11212" cy="347586"/>
           </a:xfrm>
           <a:prstGeom prst="straightConnector1">
             <a:avLst/>
@@ -16830,8 +16865,8 @@
         </p:nvCxnSpPr>
         <p:spPr bwMode="auto">
           <a:xfrm>
-            <a:off x="1797064" y="2142226"/>
-            <a:ext cx="19844" cy="378113"/>
+            <a:off x="1797064" y="2385946"/>
+            <a:ext cx="19844" cy="134393"/>
           </a:xfrm>
           <a:prstGeom prst="straightConnector1">
             <a:avLst/>
@@ -16860,8 +16895,8 @@
         </p:nvCxnSpPr>
         <p:spPr bwMode="auto">
           <a:xfrm>
-            <a:off x="7753350" y="2852739"/>
-            <a:ext cx="215900" cy="1587"/>
+            <a:off x="7753350" y="2500165"/>
+            <a:ext cx="215900" cy="795"/>
           </a:xfrm>
           <a:prstGeom prst="straightConnector1">
             <a:avLst/>
@@ -16888,8 +16923,8 @@
         </p:nvGrpSpPr>
         <p:grpSpPr bwMode="auto">
           <a:xfrm>
-            <a:off x="7969250" y="2205038"/>
-            <a:ext cx="1296988" cy="1295400"/>
+            <a:off x="7969250" y="1498725"/>
+            <a:ext cx="1296988" cy="2001713"/>
             <a:chOff x="1474" y="1389"/>
             <a:chExt cx="607" cy="726"/>
           </a:xfrm>
@@ -16933,18 +16968,18 @@
             <a:bodyPr lIns="0" tIns="0" rIns="0" bIns="0" anchor="ctr"/>
             <a:lstStyle/>
             <a:p>
-              <a:pPr>
+              <a:pPr algn="ctr">
                 <a:lnSpc>
                   <a:spcPct val="110000"/>
                 </a:lnSpc>
               </a:pPr>
               <a:r>
-                <a:rPr lang="es-PE" sz="1000" dirty="0">
+                <a:rPr lang="es-PE" sz="1200" dirty="0">
                   <a:latin typeface="Candara" panose="020E0502030303020204" pitchFamily="34" charset="0"/>
                 </a:rPr>
                 <a:t>Cargar y configurar entregables, activos de procesos y proyectos</a:t>
               </a:r>
-              <a:endParaRPr lang="es-ES" sz="1000" dirty="0">
+              <a:endParaRPr lang="es-ES" sz="1200" dirty="0">
                 <a:latin typeface="Candara" panose="020E0502030303020204" pitchFamily="34" charset="0"/>
               </a:endParaRPr>
             </a:p>
@@ -16989,18 +17024,18 @@
             <a:bodyPr lIns="0" tIns="0" rIns="0" bIns="0" anchor="ctr"/>
             <a:lstStyle/>
             <a:p>
-              <a:pPr>
+              <a:pPr algn="ctr">
                 <a:lnSpc>
                   <a:spcPct val="110000"/>
                 </a:lnSpc>
               </a:pPr>
               <a:r>
-                <a:rPr lang="es-PE" sz="800" b="1" dirty="0">
+                <a:rPr lang="es-PE" sz="1200" b="1" dirty="0">
                   <a:latin typeface="Candara" panose="020E0502030303020204" pitchFamily="34" charset="0"/>
                 </a:rPr>
                 <a:t>(5) Gestor de Configuración</a:t>
               </a:r>
-              <a:endParaRPr lang="es-ES" sz="800" b="1" dirty="0">
+              <a:endParaRPr lang="es-ES" sz="1200" b="1" dirty="0">
                 <a:latin typeface="Candara" panose="020E0502030303020204" pitchFamily="34" charset="0"/>
               </a:endParaRPr>
             </a:p>
@@ -17045,24 +17080,24 @@
             <a:bodyPr lIns="0" tIns="0" rIns="0" bIns="0" anchor="ctr"/>
             <a:lstStyle/>
             <a:p>
-              <a:pPr>
+              <a:pPr algn="ctr">
                 <a:lnSpc>
                   <a:spcPct val="110000"/>
                 </a:lnSpc>
               </a:pPr>
               <a:r>
-                <a:rPr lang="es-PE" sz="800" b="1" dirty="0">
+                <a:rPr lang="es-PE" sz="1200" b="1" dirty="0">
                   <a:latin typeface="Candara" panose="020E0502030303020204" pitchFamily="34" charset="0"/>
                 </a:rPr>
                 <a:t>  Repositorio</a:t>
               </a:r>
               <a:r>
-                <a:rPr lang="es-419" sz="800" b="1" dirty="0">
+                <a:rPr lang="x-none" sz="1200" b="1" dirty="0">
                   <a:latin typeface="Candara" panose="020E0502030303020204" pitchFamily="34" charset="0"/>
                 </a:rPr>
                 <a:t> Github</a:t>
               </a:r>
-              <a:endParaRPr lang="es-PE" sz="800" b="1" dirty="0">
+              <a:endParaRPr lang="es-PE" sz="1200" b="1" dirty="0">
                 <a:latin typeface="Candara" panose="020E0502030303020204" pitchFamily="34" charset="0"/>
               </a:endParaRPr>
             </a:p>
@@ -17080,7 +17115,7 @@
         <p:grpSpPr bwMode="auto">
           <a:xfrm>
             <a:off x="7969250" y="3717925"/>
-            <a:ext cx="1296988" cy="1295400"/>
+            <a:ext cx="1296988" cy="1867836"/>
             <a:chOff x="1474" y="1389"/>
             <a:chExt cx="607" cy="726"/>
           </a:xfrm>
@@ -17124,18 +17159,18 @@
             <a:bodyPr lIns="0" tIns="0" rIns="0" bIns="0" anchor="ctr"/>
             <a:lstStyle/>
             <a:p>
-              <a:pPr>
+              <a:pPr algn="ctr">
                 <a:lnSpc>
                   <a:spcPct val="110000"/>
                 </a:lnSpc>
               </a:pPr>
               <a:r>
-                <a:rPr lang="es-PE" sz="1000" dirty="0">
+                <a:rPr lang="es-PE" sz="1200" dirty="0">
                   <a:latin typeface="Candara" panose="020E0502030303020204" pitchFamily="34" charset="0"/>
                 </a:rPr>
                 <a:t>Publicar y dar seguimiento</a:t>
               </a:r>
-              <a:endParaRPr lang="es-ES" sz="1000" dirty="0">
+              <a:endParaRPr lang="es-ES" sz="1200" dirty="0">
                 <a:latin typeface="Candara" panose="020E0502030303020204" pitchFamily="34" charset="0"/>
               </a:endParaRPr>
             </a:p>
@@ -17180,18 +17215,18 @@
             <a:bodyPr lIns="0" tIns="0" rIns="0" bIns="0" anchor="ctr"/>
             <a:lstStyle/>
             <a:p>
-              <a:pPr>
+              <a:pPr algn="ctr">
                 <a:lnSpc>
                   <a:spcPct val="110000"/>
                 </a:lnSpc>
               </a:pPr>
               <a:r>
-                <a:rPr lang="es-PE" sz="800" b="1" dirty="0">
+                <a:rPr lang="es-PE" sz="1200" b="1" dirty="0">
                   <a:latin typeface="Candara" panose="020E0502030303020204" pitchFamily="34" charset="0"/>
                 </a:rPr>
                 <a:t>(6) Gestor de Configuración</a:t>
               </a:r>
-              <a:endParaRPr lang="es-ES" sz="800" b="1" dirty="0">
+              <a:endParaRPr lang="es-ES" sz="1200" b="1" dirty="0">
                 <a:latin typeface="Candara" panose="020E0502030303020204" pitchFamily="34" charset="0"/>
               </a:endParaRPr>
             </a:p>
@@ -17236,13 +17271,13 @@
             <a:bodyPr lIns="0" tIns="0" rIns="0" bIns="0" anchor="ctr"/>
             <a:lstStyle/>
             <a:p>
-              <a:pPr>
+              <a:pPr algn="ctr">
                 <a:lnSpc>
                   <a:spcPct val="110000"/>
                 </a:lnSpc>
               </a:pPr>
               <a:r>
-                <a:rPr lang="es-PE" sz="800" b="1">
+                <a:rPr lang="es-PE" sz="1200" b="1">
                   <a:latin typeface="Candara" panose="020E0502030303020204" pitchFamily="34" charset="0"/>
                 </a:rPr>
                 <a:t>Repositorio</a:t>
@@ -17262,8 +17297,8 @@
         </p:nvCxnSpPr>
         <p:spPr bwMode="auto">
           <a:xfrm flipH="1">
-            <a:off x="10456776" y="4590108"/>
-            <a:ext cx="343726" cy="426983"/>
+            <a:off x="10456776" y="4788302"/>
+            <a:ext cx="343726" cy="228789"/>
           </a:xfrm>
           <a:prstGeom prst="straightConnector1">
             <a:avLst/>
@@ -17320,8 +17355,8 @@
         </p:nvGrpSpPr>
         <p:grpSpPr bwMode="auto">
           <a:xfrm>
-            <a:off x="3438525" y="2205038"/>
-            <a:ext cx="1289050" cy="1295400"/>
+            <a:off x="3438525" y="1498725"/>
+            <a:ext cx="1289050" cy="2001714"/>
             <a:chOff x="1474" y="1389"/>
             <a:chExt cx="607" cy="726"/>
           </a:xfrm>
@@ -17365,31 +17400,31 @@
             <a:bodyPr lIns="0" tIns="0" rIns="0" bIns="0" anchor="ctr"/>
             <a:lstStyle/>
             <a:p>
-              <a:pPr>
+              <a:pPr algn="ctr">
                 <a:lnSpc>
                   <a:spcPct val="110000"/>
                 </a:lnSpc>
               </a:pPr>
               <a:r>
-                <a:rPr lang="es-PE" sz="1000">
+                <a:rPr lang="es-PE" sz="1200" dirty="0">
                   <a:latin typeface="Candara" panose="020E0502030303020204" pitchFamily="34" charset="0"/>
                 </a:rPr>
                 <a:t>Elaborar/</a:t>
               </a:r>
             </a:p>
             <a:p>
-              <a:pPr>
+              <a:pPr algn="ctr">
                 <a:lnSpc>
                   <a:spcPct val="110000"/>
                 </a:lnSpc>
               </a:pPr>
               <a:r>
-                <a:rPr lang="es-PE" sz="1000">
+                <a:rPr lang="es-PE" sz="1200" dirty="0">
                   <a:latin typeface="Candara" panose="020E0502030303020204" pitchFamily="34" charset="0"/>
                 </a:rPr>
                 <a:t>Modificar entregables, activos de procesos y proyectos</a:t>
               </a:r>
-              <a:endParaRPr lang="es-ES" sz="1000">
+              <a:endParaRPr lang="es-ES" sz="1200" dirty="0">
                 <a:latin typeface="Candara" panose="020E0502030303020204" pitchFamily="34" charset="0"/>
               </a:endParaRPr>
             </a:p>
@@ -17434,36 +17469,36 @@
             <a:bodyPr lIns="0" tIns="0" rIns="0" bIns="0" anchor="ctr"/>
             <a:lstStyle/>
             <a:p>
-              <a:pPr>
+              <a:pPr algn="ctr">
                 <a:lnSpc>
                   <a:spcPct val="110000"/>
                 </a:lnSpc>
               </a:pPr>
               <a:r>
-                <a:rPr lang="es-PE" sz="800" b="1" dirty="0">
+                <a:rPr lang="es-PE" sz="1200" b="1" dirty="0">
                   <a:latin typeface="Candara" panose="020E0502030303020204" pitchFamily="34" charset="0"/>
                 </a:rPr>
                 <a:t>(2) </a:t>
               </a:r>
               <a:r>
-                <a:rPr lang="es-419" sz="800" b="1" dirty="0">
+                <a:rPr lang="x-none" sz="1200" b="1" dirty="0">
                   <a:latin typeface="Candara" panose="020E0502030303020204" pitchFamily="34" charset="0"/>
                 </a:rPr>
                 <a:t>GC</a:t>
               </a:r>
               <a:r>
-                <a:rPr lang="es-PE" sz="800" b="1" dirty="0">
+                <a:rPr lang="es-PE" sz="1200" b="1" dirty="0">
                   <a:latin typeface="Candara" panose="020E0502030303020204" pitchFamily="34" charset="0"/>
                 </a:rPr>
                 <a:t>/</a:t>
               </a:r>
               <a:r>
-                <a:rPr lang="es-419" sz="800" b="1" dirty="0">
+                <a:rPr lang="x-none" sz="1200" b="1" dirty="0">
                   <a:latin typeface="Candara" panose="020E0502030303020204" pitchFamily="34" charset="0"/>
                 </a:rPr>
                 <a:t>JP</a:t>
               </a:r>
-              <a:endParaRPr lang="es-ES" sz="800" b="1" dirty="0">
+              <a:endParaRPr lang="es-ES" sz="1200" b="1" dirty="0">
                 <a:latin typeface="Candara" panose="020E0502030303020204" pitchFamily="34" charset="0"/>
               </a:endParaRPr>
             </a:p>
@@ -17508,13 +17543,13 @@
             <a:bodyPr lIns="0" tIns="0" rIns="0" bIns="0" anchor="ctr"/>
             <a:lstStyle/>
             <a:p>
-              <a:pPr>
+              <a:pPr algn="ctr">
                 <a:lnSpc>
                   <a:spcPct val="110000"/>
                 </a:lnSpc>
               </a:pPr>
               <a:r>
-                <a:rPr lang="es-PE" sz="800" b="1">
+                <a:rPr lang="es-PE" sz="1200" b="1">
                   <a:latin typeface="Candara" panose="020E0502030303020204" pitchFamily="34" charset="0"/>
                 </a:rPr>
                 <a:t>Lista de Items de Configuración</a:t>
@@ -17534,9 +17569,9 @@
           <p:nvPr/>
         </p:nvCxnSpPr>
         <p:spPr bwMode="auto">
-          <a:xfrm>
-            <a:off x="4727575" y="2854325"/>
-            <a:ext cx="223838" cy="0"/>
+          <a:xfrm flipV="1">
+            <a:off x="4727575" y="2500960"/>
+            <a:ext cx="223838" cy="1"/>
           </a:xfrm>
           <a:prstGeom prst="straightConnector1">
             <a:avLst/>
@@ -17563,8 +17598,8 @@
         </p:nvGrpSpPr>
         <p:grpSpPr bwMode="auto">
           <a:xfrm>
-            <a:off x="6464300" y="2203450"/>
-            <a:ext cx="1289050" cy="1295400"/>
+            <a:off x="6464300" y="1498725"/>
+            <a:ext cx="1289050" cy="2000125"/>
             <a:chOff x="1474" y="1389"/>
             <a:chExt cx="607" cy="726"/>
           </a:xfrm>
@@ -17608,18 +17643,18 @@
             <a:bodyPr lIns="0" tIns="0" rIns="0" bIns="0" anchor="ctr"/>
             <a:lstStyle/>
             <a:p>
-              <a:pPr>
+              <a:pPr algn="ctr">
                 <a:lnSpc>
                   <a:spcPct val="110000"/>
                 </a:lnSpc>
               </a:pPr>
               <a:r>
-                <a:rPr lang="es-PE" sz="1000">
+                <a:rPr lang="es-PE" sz="1200">
                   <a:latin typeface="Candara" panose="020E0502030303020204" pitchFamily="34" charset="0"/>
                 </a:rPr>
                 <a:t>Aprobar entregables, activos de procesos y proyectos</a:t>
               </a:r>
-              <a:endParaRPr lang="es-ES" sz="1000">
+              <a:endParaRPr lang="es-ES" sz="1200">
                 <a:latin typeface="Candara" panose="020E0502030303020204" pitchFamily="34" charset="0"/>
               </a:endParaRPr>
             </a:p>
@@ -17664,24 +17699,24 @@
             <a:bodyPr lIns="0" tIns="0" rIns="0" bIns="0" anchor="ctr"/>
             <a:lstStyle/>
             <a:p>
-              <a:pPr>
+              <a:pPr algn="ctr">
                 <a:lnSpc>
                   <a:spcPct val="110000"/>
                 </a:lnSpc>
               </a:pPr>
               <a:r>
-                <a:rPr lang="es-PE" sz="800" b="1" dirty="0">
+                <a:rPr lang="es-PE" sz="1200" b="1" dirty="0">
                   <a:latin typeface="Candara" panose="020E0502030303020204" pitchFamily="34" charset="0"/>
                 </a:rPr>
                 <a:t>(4) </a:t>
               </a:r>
               <a:r>
-                <a:rPr lang="es-419" sz="800" b="1" dirty="0">
+                <a:rPr lang="x-none" sz="1200" b="1" dirty="0">
                   <a:latin typeface="Candara" panose="020E0502030303020204" pitchFamily="34" charset="0"/>
                 </a:rPr>
                 <a:t>Jefe de Proyecto</a:t>
               </a:r>
-              <a:endParaRPr lang="es-ES" sz="800" b="1" dirty="0">
+              <a:endParaRPr lang="es-ES" sz="1200" b="1" dirty="0">
                 <a:latin typeface="Candara" panose="020E0502030303020204" pitchFamily="34" charset="0"/>
               </a:endParaRPr>
             </a:p>
@@ -17726,13 +17761,13 @@
             <a:bodyPr lIns="0" tIns="0" rIns="0" bIns="0" anchor="ctr"/>
             <a:lstStyle/>
             <a:p>
-              <a:pPr>
+              <a:pPr algn="ctr">
                 <a:lnSpc>
                   <a:spcPct val="110000"/>
                 </a:lnSpc>
               </a:pPr>
               <a:r>
-                <a:rPr lang="es-PE" sz="800" b="1" dirty="0">
+                <a:rPr lang="es-PE" sz="1200" b="1" dirty="0">
                   <a:latin typeface="Candara" panose="020E0502030303020204" pitchFamily="34" charset="0"/>
                 </a:rPr>
                 <a:t>Lista de Ítems de Configuración</a:t>
@@ -17751,10 +17786,10 @@
         </p:nvGrpSpPr>
         <p:grpSpPr bwMode="auto">
           <a:xfrm>
-            <a:off x="1847850" y="3717925"/>
-            <a:ext cx="1295400" cy="1295400"/>
-            <a:chOff x="2290" y="1389"/>
-            <a:chExt cx="607" cy="726"/>
+            <a:off x="1847850" y="3598377"/>
+            <a:ext cx="1297534" cy="1700435"/>
+            <a:chOff x="2290" y="1322"/>
+            <a:chExt cx="608" cy="953"/>
           </a:xfrm>
         </p:grpSpPr>
         <p:sp>
@@ -17768,7 +17803,7 @@
           <p:spPr bwMode="auto">
             <a:xfrm>
               <a:off x="2290" y="1546"/>
-              <a:ext cx="607" cy="413"/>
+              <a:ext cx="607" cy="491"/>
             </a:xfrm>
             <a:prstGeom prst="rect">
               <a:avLst/>
@@ -17796,18 +17831,18 @@
             <a:bodyPr lIns="0" tIns="0" rIns="0" bIns="0" anchor="ctr"/>
             <a:lstStyle/>
             <a:p>
-              <a:pPr>
+              <a:pPr algn="ctr">
                 <a:lnSpc>
                   <a:spcPct val="110000"/>
                 </a:lnSpc>
               </a:pPr>
               <a:r>
-                <a:rPr lang="es-PE" sz="1000" dirty="0">
+                <a:rPr lang="es-PE" sz="1200" dirty="0">
                   <a:latin typeface="Candara" panose="020E0502030303020204" pitchFamily="34" charset="0"/>
                 </a:rPr>
                 <a:t>Preparar herramienta de soporte para la configuración</a:t>
               </a:r>
-              <a:endParaRPr lang="es-ES" sz="1000" dirty="0">
+              <a:endParaRPr lang="es-ES" sz="1200" dirty="0">
                 <a:latin typeface="Candara" panose="020E0502030303020204" pitchFamily="34" charset="0"/>
               </a:endParaRPr>
             </a:p>
@@ -17823,8 +17858,8 @@
           </p:nvSpPr>
           <p:spPr bwMode="auto">
             <a:xfrm>
-              <a:off x="2290" y="1389"/>
-              <a:ext cx="607" cy="159"/>
+              <a:off x="2290" y="1322"/>
+              <a:ext cx="607" cy="226"/>
             </a:xfrm>
             <a:prstGeom prst="rect">
               <a:avLst/>
@@ -17852,13 +17887,14 @@
             <a:bodyPr lIns="0" tIns="0" rIns="0" bIns="0" anchor="ctr"/>
             <a:lstStyle/>
             <a:p>
+              <a:pPr algn="ctr"/>
               <a:r>
-                <a:rPr lang="es-PE" sz="800" b="1">
+                <a:rPr lang="es-PE" sz="1200" b="1" dirty="0">
                   <a:latin typeface="Candara" panose="020E0502030303020204" pitchFamily="34" charset="0"/>
                 </a:rPr>
                 <a:t>(1) Gestor de configuración</a:t>
               </a:r>
-              <a:endParaRPr lang="es-ES" sz="800" b="1">
+              <a:endParaRPr lang="es-ES" sz="1200" b="1" dirty="0">
                 <a:latin typeface="Candara" panose="020E0502030303020204" pitchFamily="34" charset="0"/>
               </a:endParaRPr>
             </a:p>
@@ -17874,8 +17910,8 @@
           </p:nvSpPr>
           <p:spPr bwMode="auto">
             <a:xfrm>
-              <a:off x="2290" y="1959"/>
-              <a:ext cx="607" cy="156"/>
+              <a:off x="2291" y="2034"/>
+              <a:ext cx="607" cy="241"/>
             </a:xfrm>
             <a:prstGeom prst="rect">
               <a:avLst/>
@@ -17903,8 +17939,9 @@
             <a:bodyPr lIns="0" tIns="0" rIns="0" bIns="0" anchor="ctr"/>
             <a:lstStyle/>
             <a:p>
+              <a:pPr algn="ctr"/>
               <a:r>
-                <a:rPr lang="es-PE" sz="800" b="1">
+                <a:rPr lang="es-PE" sz="1200" b="1" dirty="0">
                   <a:latin typeface="Candara" panose="020E0502030303020204" pitchFamily="34" charset="0"/>
                 </a:rPr>
                 <a:t>Repositorio</a:t>
@@ -17925,8 +17962,8 @@
         </p:nvCxnSpPr>
         <p:spPr bwMode="auto">
           <a:xfrm flipV="1">
-            <a:off x="6240464" y="2852739"/>
-            <a:ext cx="223837" cy="1587"/>
+            <a:off x="6240463" y="2500165"/>
+            <a:ext cx="223837" cy="795"/>
           </a:xfrm>
           <a:prstGeom prst="straightConnector1">
             <a:avLst/>
@@ -17955,8 +17992,8 @@
         </p:nvCxnSpPr>
         <p:spPr bwMode="auto">
           <a:xfrm flipV="1">
-            <a:off x="3143251" y="2854325"/>
-            <a:ext cx="295275" cy="1512888"/>
+            <a:off x="3143250" y="2500961"/>
+            <a:ext cx="295275" cy="1935144"/>
           </a:xfrm>
           <a:prstGeom prst="bentConnector3">
             <a:avLst>
@@ -17987,7 +18024,7 @@
         </p:nvCxnSpPr>
         <p:spPr bwMode="auto">
           <a:xfrm>
-            <a:off x="8618538" y="3500439"/>
+            <a:off x="8617744" y="3500438"/>
             <a:ext cx="0" cy="217487"/>
           </a:xfrm>
           <a:prstGeom prst="straightConnector1">
@@ -18082,9 +18119,9 @@
         <p:grpSpPr>
           <a:xfrm>
             <a:off x="9904324" y="3900023"/>
-            <a:ext cx="1792355" cy="690085"/>
+            <a:ext cx="1792355" cy="888279"/>
             <a:chOff x="9736897" y="3900023"/>
-            <a:chExt cx="1792355" cy="690085"/>
+            <a:chExt cx="1792355" cy="888279"/>
           </a:xfrm>
         </p:grpSpPr>
         <p:sp>
@@ -18098,7 +18135,7 @@
           <p:spPr bwMode="auto">
             <a:xfrm>
               <a:off x="9736897" y="4396785"/>
-              <a:ext cx="1792355" cy="193323"/>
+              <a:ext cx="1792355" cy="391517"/>
             </a:xfrm>
             <a:prstGeom prst="rect">
               <a:avLst/>
@@ -18127,10 +18164,10 @@
                 </a:spcBef>
               </a:pPr>
               <a:r>
-                <a:rPr lang="es-PE" sz="800" b="1" dirty="0"/>
+                <a:rPr lang="es-PE" sz="1200" b="1" dirty="0"/>
                 <a:t>Plan del Proyecto Ejecutado</a:t>
               </a:r>
-              <a:endParaRPr lang="es-ES" sz="800" b="1" dirty="0"/>
+              <a:endParaRPr lang="es-ES" sz="1200" b="1" dirty="0"/>
             </a:p>
           </p:txBody>
         </p:sp>
@@ -18169,8 +18206,7 @@
             <a:bodyPr rtlCol="0" anchor="ctr"/>
             <a:lstStyle/>
             <a:p>
-              <a:pPr algn="ctr"/>
-              <a:endParaRPr lang="es-PE">
+              <a:endParaRPr lang="es-PE" sz="1200">
                 <a:solidFill>
                   <a:schemeClr val="tx1"/>
                 </a:solidFill>
@@ -18245,7 +18281,7 @@
           <p:spPr bwMode="auto">
             <a:xfrm>
               <a:off x="10783245" y="3864084"/>
-              <a:ext cx="1104900" cy="193323"/>
+              <a:ext cx="1104900" cy="387798"/>
             </a:xfrm>
             <a:prstGeom prst="rect">
               <a:avLst/>
@@ -18274,7 +18310,7 @@
                 </a:spcBef>
               </a:pPr>
               <a:r>
-                <a:rPr lang="es-PE" sz="800" b="1" dirty="0" smtClean="0">
+                <a:rPr lang="es-PE" sz="1200" b="1" dirty="0" smtClean="0">
                   <a:latin typeface="Candara" panose="020E0502030303020204" pitchFamily="34" charset="0"/>
                 </a:rPr>
                 <a:t>Jefe de Proyecto</a:t>
@@ -18292,9 +18328,9 @@
         <p:grpSpPr>
           <a:xfrm>
             <a:off x="1559109" y="2565563"/>
-            <a:ext cx="1252944" cy="838030"/>
+            <a:ext cx="1252944" cy="1032505"/>
             <a:chOff x="813680" y="4590744"/>
-            <a:chExt cx="1252944" cy="838030"/>
+            <a:chExt cx="1252944" cy="1032505"/>
           </a:xfrm>
         </p:grpSpPr>
         <p:sp>
@@ -18308,7 +18344,7 @@
           <p:spPr bwMode="auto">
             <a:xfrm>
               <a:off x="961724" y="5235451"/>
-              <a:ext cx="1104900" cy="193323"/>
+              <a:ext cx="1104900" cy="387798"/>
             </a:xfrm>
             <a:prstGeom prst="rect">
               <a:avLst/>
@@ -18337,12 +18373,12 @@
                 </a:spcBef>
               </a:pPr>
               <a:r>
-                <a:rPr lang="es-PE" sz="800" b="1">
+                <a:rPr lang="es-PE" sz="1200" b="1" dirty="0">
                   <a:latin typeface="Candara" panose="020E0502030303020204" pitchFamily="34" charset="0"/>
                 </a:rPr>
                 <a:t>Plan del Proyecto</a:t>
               </a:r>
-              <a:endParaRPr lang="es-ES" sz="800" b="1">
+              <a:endParaRPr lang="es-ES" sz="1200" b="1" dirty="0">
                 <a:latin typeface="Candara" panose="020E0502030303020204" pitchFamily="34" charset="0"/>
               </a:endParaRPr>
             </a:p>
@@ -18382,9 +18418,9 @@
         <p:grpSpPr>
           <a:xfrm>
             <a:off x="1329545" y="1284973"/>
-            <a:ext cx="935038" cy="857253"/>
+            <a:ext cx="935038" cy="1100973"/>
             <a:chOff x="1329545" y="1284973"/>
-            <a:chExt cx="935038" cy="857253"/>
+            <a:chExt cx="935038" cy="1100973"/>
           </a:xfrm>
         </p:grpSpPr>
         <p:sp>
@@ -18398,7 +18434,7 @@
           <p:spPr bwMode="auto">
             <a:xfrm>
               <a:off x="1329545" y="1850415"/>
-              <a:ext cx="935038" cy="291811"/>
+              <a:ext cx="935038" cy="535531"/>
             </a:xfrm>
             <a:prstGeom prst="rect">
               <a:avLst/>
@@ -18427,10 +18463,10 @@
                 </a:spcBef>
               </a:pPr>
               <a:r>
-                <a:rPr lang="es-PE" sz="800" b="1" dirty="0"/>
+                <a:rPr lang="es-PE" sz="1200" b="1" dirty="0"/>
                 <a:t>Elaborar Plan del Proyecto</a:t>
               </a:r>
-              <a:endParaRPr lang="es-ES" sz="800" b="1" dirty="0"/>
+              <a:endParaRPr lang="es-ES" sz="1200" b="1" dirty="0"/>
             </a:p>
           </p:txBody>
         </p:sp>
@@ -18468,7 +18504,7 @@
             <a:lstStyle/>
             <a:p>
               <a:pPr algn="ctr"/>
-              <a:endParaRPr lang="es-PE">
+              <a:endParaRPr lang="es-PE" sz="1200">
                 <a:solidFill>
                   <a:schemeClr val="tx1"/>
                 </a:solidFill>
@@ -20427,7 +20463,7 @@
                         <a:t>G</a:t>
                       </a:r>
                       <a:r>
-                        <a:rPr kumimoji="0" lang="es-419" sz="1200" u="none" strike="noStrike" cap="none" normalizeH="0" baseline="0" dirty="0" smtClean="0">
+                        <a:rPr kumimoji="0" lang="x-none" sz="1200" u="none" strike="noStrike" cap="none" normalizeH="0" baseline="0" dirty="0" smtClean="0">
                           <a:ln>
                             <a:noFill/>
                           </a:ln>
@@ -20747,7 +20783,7 @@
                         <a:tabLst/>
                       </a:pPr>
                       <a:r>
-                        <a:rPr kumimoji="0" lang="es-419" sz="1200" u="none" strike="noStrike" cap="none" normalizeH="0" baseline="0" dirty="0" smtClean="0">
+                        <a:rPr kumimoji="0" lang="x-none" sz="1200" u="none" strike="noStrike" cap="none" normalizeH="0" baseline="0" dirty="0" smtClean="0">
                           <a:ln>
                             <a:noFill/>
                           </a:ln>
@@ -20767,7 +20803,7 @@
                         <a:t>/ </a:t>
                       </a:r>
                       <a:r>
-                        <a:rPr kumimoji="0" lang="es-419" sz="1200" u="none" strike="noStrike" cap="none" normalizeH="0" baseline="0" dirty="0" smtClean="0">
+                        <a:rPr kumimoji="0" lang="x-none" sz="1200" u="none" strike="noStrike" cap="none" normalizeH="0" baseline="0" dirty="0" smtClean="0">
                           <a:ln>
                             <a:noFill/>
                           </a:ln>
@@ -21518,7 +21554,7 @@
                         <a:tabLst/>
                       </a:pPr>
                       <a:r>
-                        <a:rPr kumimoji="0" lang="es-419" sz="1200" u="none" strike="noStrike" cap="none" normalizeH="0" baseline="0" dirty="0" smtClean="0">
+                        <a:rPr kumimoji="0" lang="x-none" sz="1200" u="none" strike="noStrike" cap="none" normalizeH="0" baseline="0" dirty="0" smtClean="0">
                           <a:ln>
                             <a:noFill/>
                           </a:ln>
@@ -21916,7 +21952,7 @@
                         <a:tabLst/>
                       </a:pPr>
                       <a:r>
-                        <a:rPr kumimoji="0" lang="es-419" sz="1200" u="none" strike="noStrike" cap="none" normalizeH="0" baseline="0" dirty="0" smtClean="0">
+                        <a:rPr kumimoji="0" lang="x-none" sz="1200" u="none" strike="noStrike" cap="none" normalizeH="0" baseline="0" dirty="0" smtClean="0">
                           <a:ln>
                             <a:noFill/>
                           </a:ln>
@@ -22954,14 +22990,14 @@
             <p:ph/>
             <p:extLst>
               <p:ext uri="{D42A27DB-BD31-4B8C-83A1-F6EECF244321}">
-                <p14:modId xmlns:p14="http://schemas.microsoft.com/office/powerpoint/2010/main" val="355297359"/>
+                <p14:modId xmlns:p14="http://schemas.microsoft.com/office/powerpoint/2010/main" val="545192053"/>
               </p:ext>
             </p:extLst>
           </p:nvPr>
         </p:nvGraphicFramePr>
         <p:xfrm>
           <a:off x="1449475" y="1712936"/>
-          <a:ext cx="9768023" cy="4365892"/>
+          <a:ext cx="7717548" cy="4365892"/>
         </p:xfrm>
         <a:graphic>
           <a:graphicData uri="http://schemas.openxmlformats.org/drawingml/2006/table">
@@ -22974,7 +23010,6 @@
                 <a:gridCol w="2678056"/>
                 <a:gridCol w="2395361"/>
                 <a:gridCol w="2137167"/>
-                <a:gridCol w="2050475"/>
               </a:tblGrid>
               <a:tr h="839882">
                 <a:tc>
@@ -23142,51 +23177,6 @@
                           <a:latin typeface="Candara" panose="020E0502030303020204" pitchFamily="34" charset="0"/>
                         </a:rPr>
                         <a:t>Actividad</a:t>
-                      </a:r>
-                      <a:endParaRPr kumimoji="0" lang="es-ES" sz="1600" b="1" i="0" u="none" strike="noStrike" cap="none" normalizeH="0" baseline="0" dirty="0" smtClean="0">
-                        <a:ln>
-                          <a:noFill/>
-                        </a:ln>
-                        <a:solidFill>
-                          <a:schemeClr val="bg1"/>
-                        </a:solidFill>
-                        <a:effectLst/>
-                        <a:latin typeface="Candara" panose="020E0502030303020204" pitchFamily="34" charset="0"/>
-                      </a:endParaRPr>
-                    </a:p>
-                  </a:txBody>
-                  <a:tcPr anchor="ctr" horzOverflow="overflow"/>
-                </a:tc>
-                <a:tc>
-                  <a:txBody>
-                    <a:bodyPr/>
-                    <a:lstStyle/>
-                    <a:p>
-                      <a:pPr marL="0" marR="0" lvl="0" indent="0" algn="ctr" defTabSz="914400" rtl="0" eaLnBrk="1" fontAlgn="base" latinLnBrk="0" hangingPunct="1">
-                        <a:lnSpc>
-                          <a:spcPct val="100000"/>
-                        </a:lnSpc>
-                        <a:spcBef>
-                          <a:spcPct val="20000"/>
-                        </a:spcBef>
-                        <a:spcAft>
-                          <a:spcPct val="0"/>
-                        </a:spcAft>
-                        <a:buClrTx/>
-                        <a:buSzTx/>
-                        <a:buFontTx/>
-                        <a:buNone/>
-                        <a:tabLst/>
-                      </a:pPr>
-                      <a:r>
-                        <a:rPr kumimoji="0" lang="es-PE" sz="1600" b="1" u="none" strike="noStrike" cap="none" normalizeH="0" baseline="0" dirty="0" smtClean="0">
-                          <a:ln>
-                            <a:noFill/>
-                          </a:ln>
-                          <a:effectLst/>
-                          <a:latin typeface="Candara" panose="020E0502030303020204" pitchFamily="34" charset="0"/>
-                        </a:rPr>
-                        <a:t>Tarea</a:t>
                       </a:r>
                       <a:endParaRPr kumimoji="0" lang="es-ES" sz="1600" b="1" i="0" u="none" strike="noStrike" cap="none" normalizeH="0" baseline="0" dirty="0" smtClean="0">
                         <a:ln>
@@ -23396,41 +23386,6 @@
                   </a:txBody>
                   <a:tcPr anchor="ctr" horzOverflow="overflow"/>
                 </a:tc>
-                <a:tc>
-                  <a:txBody>
-                    <a:bodyPr/>
-                    <a:lstStyle/>
-                    <a:p>
-                      <a:pPr marL="0" marR="0" lvl="0" indent="0" algn="ctr" defTabSz="914400" rtl="0" eaLnBrk="1" fontAlgn="base" latinLnBrk="0" hangingPunct="1">
-                        <a:lnSpc>
-                          <a:spcPct val="100000"/>
-                        </a:lnSpc>
-                        <a:spcBef>
-                          <a:spcPct val="20000"/>
-                        </a:spcBef>
-                        <a:spcAft>
-                          <a:spcPct val="0"/>
-                        </a:spcAft>
-                        <a:buClrTx/>
-                        <a:buSzTx/>
-                        <a:buFontTx/>
-                        <a:buNone/>
-                        <a:tabLst/>
-                      </a:pPr>
-                      <a:endParaRPr kumimoji="0" lang="es-ES" sz="1200" b="0" i="0" u="none" strike="noStrike" cap="none" normalizeH="0" baseline="0" dirty="0" smtClean="0">
-                        <a:ln>
-                          <a:noFill/>
-                        </a:ln>
-                        <a:solidFill>
-                          <a:schemeClr val="tx1"/>
-                        </a:solidFill>
-                        <a:effectLst/>
-                        <a:latin typeface="Candara" panose="020E0502030303020204" pitchFamily="34" charset="0"/>
-                      </a:endParaRPr>
-                    </a:p>
-                  </a:txBody>
-                  <a:tcPr anchor="ctr" horzOverflow="overflow"/>
-                </a:tc>
               </a:tr>
               <a:tr h="727332">
                 <a:tc>
@@ -23551,7 +23506,7 @@
                         <a:tabLst/>
                       </a:pPr>
                       <a:r>
-                        <a:rPr kumimoji="0" lang="es-419" sz="1200" u="none" strike="noStrike" cap="none" normalizeH="0" baseline="0" dirty="0" smtClean="0">
+                        <a:rPr kumimoji="0" lang="x-none" sz="1200" u="none" strike="noStrike" cap="none" normalizeH="0" baseline="0" dirty="0" smtClean="0">
                           <a:ln>
                             <a:noFill/>
                           </a:ln>
@@ -23599,7 +23554,7 @@
                         <a:tabLst/>
                       </a:pPr>
                       <a:r>
-                        <a:rPr kumimoji="0" lang="es-419" sz="1200" u="none" strike="noStrike" cap="none" normalizeH="0" baseline="0" dirty="0" smtClean="0">
+                        <a:rPr kumimoji="0" lang="x-none" sz="1200" u="none" strike="noStrike" cap="none" normalizeH="0" baseline="0" dirty="0" smtClean="0">
                           <a:ln>
                             <a:noFill/>
                           </a:ln>
@@ -23612,41 +23567,6 @@
                         <a:t>Describir el Proceso</a:t>
                       </a:r>
                       <a:endParaRPr kumimoji="0" lang="es-ES" sz="1200" b="0" i="0" u="none" strike="noStrike" cap="none" normalizeH="0" baseline="0" dirty="0" smtClean="0">
-                        <a:ln>
-                          <a:noFill/>
-                        </a:ln>
-                        <a:solidFill>
-                          <a:schemeClr val="tx1"/>
-                        </a:solidFill>
-                        <a:effectLst/>
-                        <a:latin typeface="Candara" panose="020E0502030303020204" pitchFamily="34" charset="0"/>
-                      </a:endParaRPr>
-                    </a:p>
-                  </a:txBody>
-                  <a:tcPr anchor="ctr" horzOverflow="overflow"/>
-                </a:tc>
-                <a:tc>
-                  <a:txBody>
-                    <a:bodyPr/>
-                    <a:lstStyle/>
-                    <a:p>
-                      <a:pPr marL="0" marR="0" lvl="0" indent="0" algn="ctr" defTabSz="914400" rtl="0" eaLnBrk="1" fontAlgn="base" latinLnBrk="0" hangingPunct="1">
-                        <a:lnSpc>
-                          <a:spcPct val="100000"/>
-                        </a:lnSpc>
-                        <a:spcBef>
-                          <a:spcPct val="20000"/>
-                        </a:spcBef>
-                        <a:spcAft>
-                          <a:spcPct val="0"/>
-                        </a:spcAft>
-                        <a:buClrTx/>
-                        <a:buSzTx/>
-                        <a:buFontTx/>
-                        <a:buNone/>
-                        <a:tabLst/>
-                      </a:pPr>
-                      <a:endParaRPr kumimoji="0" lang="es-ES" sz="1200" b="0" i="0" u="none" strike="noStrike" cap="none" normalizeH="0" baseline="0" smtClean="0">
                         <a:ln>
                           <a:noFill/>
                         </a:ln>
@@ -23770,7 +23690,7 @@
                         <a:tabLst/>
                       </a:pPr>
                       <a:r>
-                        <a:rPr kumimoji="0" lang="es-419" sz="1200" b="0" i="0" u="none" strike="noStrike" cap="none" normalizeH="0" baseline="0" dirty="0" smtClean="0">
+                        <a:rPr kumimoji="0" lang="x-none" sz="1200" b="0" i="0" u="none" strike="noStrike" cap="none" normalizeH="0" baseline="0" dirty="0" smtClean="0">
                           <a:ln>
                             <a:noFill/>
                           </a:ln>
@@ -23818,7 +23738,7 @@
                         <a:tabLst/>
                       </a:pPr>
                       <a:r>
-                        <a:rPr kumimoji="0" lang="es-419" sz="1200" b="0" i="0" u="none" strike="noStrike" cap="none" normalizeH="0" baseline="0" dirty="0" smtClean="0">
+                        <a:rPr kumimoji="0" lang="x-none" sz="1200" b="0" i="0" u="none" strike="noStrike" cap="none" normalizeH="0" baseline="0" dirty="0" smtClean="0">
                           <a:ln>
                             <a:noFill/>
                           </a:ln>
@@ -23830,41 +23750,6 @@
                         </a:rPr>
                         <a:t>informe</a:t>
                       </a:r>
-                      <a:endParaRPr kumimoji="0" lang="es-ES" sz="1200" b="0" i="0" u="none" strike="noStrike" cap="none" normalizeH="0" baseline="0" dirty="0" smtClean="0">
-                        <a:ln>
-                          <a:noFill/>
-                        </a:ln>
-                        <a:solidFill>
-                          <a:schemeClr val="tx1"/>
-                        </a:solidFill>
-                        <a:effectLst/>
-                        <a:latin typeface="Candara" panose="020E0502030303020204" pitchFamily="34" charset="0"/>
-                      </a:endParaRPr>
-                    </a:p>
-                  </a:txBody>
-                  <a:tcPr anchor="ctr" horzOverflow="overflow"/>
-                </a:tc>
-                <a:tc>
-                  <a:txBody>
-                    <a:bodyPr/>
-                    <a:lstStyle/>
-                    <a:p>
-                      <a:pPr marL="0" marR="0" lvl="0" indent="0" algn="ctr" defTabSz="914400" rtl="0" eaLnBrk="1" fontAlgn="base" latinLnBrk="0" hangingPunct="1">
-                        <a:lnSpc>
-                          <a:spcPct val="100000"/>
-                        </a:lnSpc>
-                        <a:spcBef>
-                          <a:spcPct val="20000"/>
-                        </a:spcBef>
-                        <a:spcAft>
-                          <a:spcPct val="0"/>
-                        </a:spcAft>
-                        <a:buClrTx/>
-                        <a:buSzTx/>
-                        <a:buFontTx/>
-                        <a:buNone/>
-                        <a:tabLst/>
-                      </a:pPr>
                       <a:endParaRPr kumimoji="0" lang="es-ES" sz="1200" b="0" i="0" u="none" strike="noStrike" cap="none" normalizeH="0" baseline="0" dirty="0" smtClean="0">
                         <a:ln>
                           <a:noFill/>
@@ -24059,69 +23944,6 @@
                         </a:rPr>
                         <a:t>Gestionar solicitudes de accesos</a:t>
                       </a:r>
-                      <a:endParaRPr kumimoji="0" lang="es-ES" sz="1200" b="0" i="0" u="none" strike="noStrike" cap="none" normalizeH="0" baseline="0" dirty="0" smtClean="0">
-                        <a:ln>
-                          <a:noFill/>
-                        </a:ln>
-                        <a:solidFill>
-                          <a:schemeClr val="tx1"/>
-                        </a:solidFill>
-                        <a:effectLst/>
-                        <a:latin typeface="Candara" panose="020E0502030303020204" pitchFamily="34" charset="0"/>
-                      </a:endParaRPr>
-                    </a:p>
-                  </a:txBody>
-                  <a:tcPr anchor="ctr" horzOverflow="overflow"/>
-                </a:tc>
-                <a:tc>
-                  <a:txBody>
-                    <a:bodyPr/>
-                    <a:lstStyle/>
-                    <a:p>
-                      <a:pPr marL="0" marR="0" lvl="0" indent="0" algn="ctr" defTabSz="914400" rtl="0" eaLnBrk="1" fontAlgn="base" latinLnBrk="0" hangingPunct="1">
-                        <a:lnSpc>
-                          <a:spcPct val="100000"/>
-                        </a:lnSpc>
-                        <a:spcBef>
-                          <a:spcPct val="20000"/>
-                        </a:spcBef>
-                        <a:spcAft>
-                          <a:spcPct val="0"/>
-                        </a:spcAft>
-                        <a:buClrTx/>
-                        <a:buSzTx/>
-                        <a:buFontTx/>
-                        <a:buNone/>
-                        <a:tabLst/>
-                      </a:pPr>
-                      <a:endParaRPr kumimoji="0" lang="es-ES" sz="1200" b="0" i="0" u="none" strike="noStrike" cap="none" normalizeH="0" baseline="0" dirty="0" smtClean="0">
-                        <a:ln>
-                          <a:noFill/>
-                        </a:ln>
-                        <a:solidFill>
-                          <a:schemeClr val="tx1"/>
-                        </a:solidFill>
-                        <a:effectLst/>
-                        <a:latin typeface="Candara" panose="020E0502030303020204" pitchFamily="34" charset="0"/>
-                      </a:endParaRPr>
-                    </a:p>
-                    <a:p>
-                      <a:pPr marL="0" marR="0" lvl="0" indent="0" algn="ctr" defTabSz="914400" rtl="0" eaLnBrk="1" fontAlgn="base" latinLnBrk="0" hangingPunct="1">
-                        <a:lnSpc>
-                          <a:spcPct val="100000"/>
-                        </a:lnSpc>
-                        <a:spcBef>
-                          <a:spcPct val="20000"/>
-                        </a:spcBef>
-                        <a:spcAft>
-                          <a:spcPct val="0"/>
-                        </a:spcAft>
-                        <a:buClrTx/>
-                        <a:buSzTx/>
-                        <a:buFontTx/>
-                        <a:buNone/>
-                        <a:tabLst/>
-                      </a:pPr>
                       <a:endParaRPr kumimoji="0" lang="es-ES" sz="1200" b="0" i="0" u="none" strike="noStrike" cap="none" normalizeH="0" baseline="0" dirty="0" smtClean="0">
                         <a:ln>
                           <a:noFill/>
@@ -25425,7 +25247,7 @@
         <p:spPr bwMode="auto">
           <a:xfrm>
             <a:off x="4511675" y="2308643"/>
-            <a:ext cx="7168791" cy="3046988"/>
+            <a:ext cx="7168791" cy="3416320"/>
           </a:xfrm>
           <a:prstGeom prst="rect">
             <a:avLst/>
@@ -25459,16 +25281,34 @@
               <a:rPr lang="es-ES" sz="2400" dirty="0">
                 <a:latin typeface="Candara" panose="020E0502030303020204" pitchFamily="34" charset="0"/>
               </a:rPr>
-              <a:t>Definir, diseñar e implementar actividades que brinden soporte al proceso de gestión de la configuración en e</a:t>
+              <a:t>Definir, diseñar e implementar actividades que brinden soporte al proceso de gestión de la configuración </a:t>
             </a:r>
             <a:r>
-              <a:rPr lang="es-PE" sz="2400" dirty="0">
+              <a:rPr lang="es-ES" sz="2400" dirty="0" smtClean="0">
                 <a:latin typeface="Candara" panose="020E0502030303020204" pitchFamily="34" charset="0"/>
               </a:rPr>
-              <a:t>l Sistema de Agencia de Viajes.</a:t>
+              <a:t>en el inventario Online (inventario en </a:t>
             </a:r>
             <a:r>
-              <a:rPr lang="es-ES" sz="2400" dirty="0">
+              <a:rPr lang="es-ES" sz="2400" dirty="0" err="1" smtClean="0">
+                <a:latin typeface="Candara" panose="020E0502030303020204" pitchFamily="34" charset="0"/>
+              </a:rPr>
+              <a:t>linea</a:t>
+            </a:r>
+            <a:r>
+              <a:rPr lang="es-ES" sz="2400" dirty="0" smtClean="0">
+                <a:latin typeface="Candara" panose="020E0502030303020204" pitchFamily="34" charset="0"/>
+              </a:rPr>
+              <a:t>)</a:t>
+            </a:r>
+            <a:r>
+              <a:rPr lang="es-PE" sz="2400" dirty="0" smtClean="0">
+                <a:latin typeface="Candara" panose="020E0502030303020204" pitchFamily="34" charset="0"/>
+              </a:rPr>
+              <a:t>.</a:t>
+            </a:r>
+            <a:r>
+              <a:rPr lang="es-ES" sz="2400" dirty="0" smtClean="0">
                 <a:latin typeface="Candara" panose="020E0502030303020204" pitchFamily="34" charset="0"/>
               </a:rPr>
               <a:t> </a:t>
@@ -25498,10 +25338,28 @@
               <a:rPr lang="es-PE" sz="2400" dirty="0">
                 <a:latin typeface="Candara" panose="020E0502030303020204" pitchFamily="34" charset="0"/>
               </a:rPr>
-              <a:t>El alcance del proceso abarca todos los archivos del Sistema de Agencia de Viajes.</a:t>
+              <a:t>El alcance del proceso abarca todos los archivos </a:t>
             </a:r>
             <a:r>
-              <a:rPr lang="es-ES" sz="2400" dirty="0">
+              <a:rPr lang="es-PE" sz="2400" dirty="0" smtClean="0">
+                <a:latin typeface="Candara" panose="020E0502030303020204" pitchFamily="34" charset="0"/>
+              </a:rPr>
+              <a:t>del inventario Online (inventario en </a:t>
+            </a:r>
+            <a:r>
+              <a:rPr lang="es-PE" sz="2400" dirty="0" err="1" smtClean="0">
+                <a:latin typeface="Candara" panose="020E0502030303020204" pitchFamily="34" charset="0"/>
+              </a:rPr>
+              <a:t>linea</a:t>
+            </a:r>
+            <a:r>
+              <a:rPr lang="es-PE" sz="2400" dirty="0" smtClean="0">
+                <a:latin typeface="Candara" panose="020E0502030303020204" pitchFamily="34" charset="0"/>
+              </a:rPr>
+              <a:t>).</a:t>
+            </a:r>
+            <a:r>
+              <a:rPr lang="es-ES" sz="2400" dirty="0" smtClean="0">
                 <a:latin typeface="Candara" panose="020E0502030303020204" pitchFamily="34" charset="0"/>
               </a:rPr>
               <a:t> </a:t>
@@ -28251,7 +28109,7 @@
               <a:rPr lang="es-PE" sz="1200" dirty="0"/>
               <a:t>Revisar los informes y viabilizar los requerimientos de gestión de configuración.</a:t>
             </a:r>
-            <a:endParaRPr lang="es-419" sz="1200" dirty="0"/>
+            <a:endParaRPr lang="x-none" sz="1200" dirty="0"/>
           </a:p>
           <a:p>
             <a:pPr marL="179388" indent="-179388">
@@ -28314,7 +28172,7 @@
           <a:lstStyle/>
           <a:p>
             <a:r>
-              <a:rPr lang="es-419" sz="1400" b="1" dirty="0"/>
+              <a:rPr lang="x-none" sz="1400" b="1" dirty="0"/>
               <a:t>Analista</a:t>
             </a:r>
             <a:r>
@@ -28322,7 +28180,7 @@
               <a:t> de Calidad (</a:t>
             </a:r>
             <a:r>
-              <a:rPr lang="es-419" sz="1400" b="1" dirty="0"/>
+              <a:rPr lang="x-none" sz="1400" b="1" dirty="0"/>
               <a:t>AC</a:t>
             </a:r>
             <a:r>
@@ -28386,7 +28244,7 @@
               <a:t>El </a:t>
             </a:r>
             <a:r>
-              <a:rPr lang="es-419" sz="1200" dirty="0"/>
+              <a:rPr lang="x-none" sz="1200" dirty="0"/>
               <a:t>Analista</a:t>
             </a:r>
             <a:r>
@@ -28412,7 +28270,7 @@
               <a:t>El </a:t>
             </a:r>
             <a:r>
-              <a:rPr lang="es-419" sz="1200" dirty="0"/>
+              <a:rPr lang="x-none" sz="1200" dirty="0"/>
               <a:t>Analista</a:t>
             </a:r>
             <a:r>
